--- a/Proposal.pptx
+++ b/Proposal.pptx
@@ -5,18 +5,17 @@
     <p:sldMasterId id="2147483648" r:id="rId2"/>
   </p:sldMasterIdLst>
   <p:notesMasterIdLst>
-    <p:notesMasterId r:id="rId9"/>
+    <p:notesMasterId r:id="rId8"/>
   </p:notesMasterIdLst>
   <p:handoutMasterIdLst>
-    <p:handoutMasterId r:id="rId10"/>
+    <p:handoutMasterId r:id="rId9"/>
   </p:handoutMasterIdLst>
   <p:sldIdLst>
     <p:sldId id="273" r:id="rId3"/>
-    <p:sldId id="265" r:id="rId4"/>
-    <p:sldId id="266" r:id="rId5"/>
-    <p:sldId id="274" r:id="rId6"/>
-    <p:sldId id="275" r:id="rId7"/>
-    <p:sldId id="276" r:id="rId8"/>
+    <p:sldId id="266" r:id="rId4"/>
+    <p:sldId id="274" r:id="rId5"/>
+    <p:sldId id="275" r:id="rId6"/>
+    <p:sldId id="276" r:id="rId7"/>
   </p:sldIdLst>
   <p:sldSz cx="12192000" cy="6858000"/>
   <p:notesSz cx="6858000" cy="9144000"/>
@@ -219,7 +218,7 @@
           <a:p>
             <a:fld id="{20EA5F0D-C1DC-412F-A146-DDB3A74B588F}" type="datetimeFigureOut">
               <a:rPr lang="en-US" altLang="zh-TW"/>
-              <a:t>5/19/2016</a:t>
+              <a:t>6/23/2016</a:t>
             </a:fld>
             <a:endParaRPr lang="zh-TW"/>
           </a:p>
@@ -383,7 +382,7 @@
           </a:lstStyle>
           <a:p>
             <a:fld id="{A8CDE508-72C8-4AB5-AA9C-1584D31690E0}" type="datetimeFigureOut">
-              <a:t>5/19/2016</a:t>
+              <a:t>2016/6/23</a:t>
             </a:fld>
             <a:endParaRPr lang="zh-TW"/>
           </a:p>
@@ -1559,7 +1558,7 @@
             </a:r>
             <a:fld id="{9E583DDF-CA54-461A-A486-592D2374C532}" type="datetimeFigureOut">
               <a:rPr lang="zh-TW" altLang="en-US" smtClean="0"/>
-              <a:t>2016/5/19</a:t>
+              <a:t>2016/6/23</a:t>
             </a:fld>
             <a:r>
               <a:rPr lang="zh-TW"/>
@@ -1784,7 +1783,7 @@
             </a:r>
             <a:fld id="{9E583DDF-CA54-461A-A486-592D2374C532}" type="datetimeFigureOut">
               <a:rPr lang="zh-TW" altLang="en-US" smtClean="0"/>
-              <a:t>2016/5/19</a:t>
+              <a:t>2016/6/23</a:t>
             </a:fld>
             <a:r>
               <a:rPr lang="zh-TW"/>
@@ -1999,7 +1998,7 @@
             </a:r>
             <a:fld id="{9E583DDF-CA54-461A-A486-592D2374C532}" type="datetimeFigureOut">
               <a:rPr lang="zh-TW" altLang="en-US" smtClean="0"/>
-              <a:t>2016/5/19</a:t>
+              <a:t>2016/6/23</a:t>
             </a:fld>
             <a:r>
               <a:rPr lang="zh-TW"/>
@@ -2491,7 +2490,7 @@
             </a:r>
             <a:fld id="{9E583DDF-CA54-461A-A486-592D2374C532}" type="datetimeFigureOut">
               <a:rPr lang="zh-TW" altLang="en-US" smtClean="0"/>
-              <a:t>2016/5/19</a:t>
+              <a:t>2016/6/23</a:t>
             </a:fld>
             <a:r>
               <a:rPr lang="zh-TW"/>
@@ -2998,7 +2997,7 @@
             </a:r>
             <a:fld id="{0A879FD0-C37A-4F50-8F3B-5FA0D9D0B42F}" type="datetimeFigureOut">
               <a:rPr lang="zh-TW" altLang="en-US" smtClean="0"/>
-              <a:t>2016/5/19</a:t>
+              <a:t>2016/6/23</a:t>
             </a:fld>
             <a:r>
               <a:rPr lang="zh-TW"/>
@@ -3498,7 +3497,7 @@
             </a:r>
             <a:fld id="{9E583DDF-CA54-461A-A486-592D2374C532}" type="datetimeFigureOut">
               <a:rPr lang="zh-TW" altLang="en-US" smtClean="0"/>
-              <a:t>2016/5/19</a:t>
+              <a:t>2016/6/23</a:t>
             </a:fld>
             <a:r>
               <a:rPr lang="zh-TW"/>
@@ -3661,7 +3660,7 @@
             </a:r>
             <a:fld id="{9E583DDF-CA54-461A-A486-592D2374C532}" type="datetimeFigureOut">
               <a:rPr lang="zh-TW" altLang="en-US" smtClean="0"/>
-              <a:t>2016/5/19</a:t>
+              <a:t>2016/6/23</a:t>
             </a:fld>
             <a:r>
               <a:rPr lang="zh-TW"/>
@@ -3915,7 +3914,7 @@
             </a:r>
             <a:fld id="{9E583DDF-CA54-461A-A486-592D2374C532}" type="datetimeFigureOut">
               <a:rPr lang="zh-TW" altLang="en-US" smtClean="0"/>
-              <a:t>2016/5/19</a:t>
+              <a:t>2016/6/23</a:t>
             </a:fld>
             <a:r>
               <a:rPr lang="zh-TW"/>
@@ -4498,7 +4497,7 @@
             </a:r>
             <a:fld id="{9E583DDF-CA54-461A-A486-592D2374C532}" type="datetimeFigureOut">
               <a:rPr lang="zh-TW" altLang="en-US" smtClean="0"/>
-              <a:t>2016/5/19</a:t>
+              <a:t>2016/6/23</a:t>
             </a:fld>
             <a:r>
               <a:rPr lang="zh-TW"/>
@@ -4947,7 +4946,7 @@
             </a:r>
             <a:fld id="{9E583DDF-CA54-461A-A486-592D2374C532}" type="datetimeFigureOut">
               <a:rPr lang="zh-TW" altLang="en-US" smtClean="0"/>
-              <a:t>2016/5/19</a:t>
+              <a:t>2016/6/23</a:t>
             </a:fld>
             <a:r>
               <a:rPr lang="zh-TW"/>
@@ -5884,7 +5883,7 @@
             </a:r>
             <a:fld id="{9E583DDF-CA54-461A-A486-592D2374C532}" type="datetimeFigureOut">
               <a:rPr lang="zh-TW" altLang="en-US" smtClean="0"/>
-              <a:t>2016/5/19</a:t>
+              <a:t>2016/6/23</a:t>
             </a:fld>
             <a:r>
               <a:rPr lang="zh-TW" dirty="0"/>
@@ -6517,142 +6516,6 @@
       </p:grpSpPr>
       <p:sp>
         <p:nvSpPr>
-          <p:cNvPr id="13" name="標題 12"/>
-          <p:cNvSpPr>
-            <a:spLocks noGrp="1"/>
-          </p:cNvSpPr>
-          <p:nvPr>
-            <p:ph type="title"/>
-          </p:nvPr>
-        </p:nvSpPr>
-        <p:spPr/>
-        <p:txBody>
-          <a:bodyPr/>
-          <a:lstStyle/>
-          <a:p>
-            <a:r>
-              <a:rPr lang="zh-TW" altLang="en-US" dirty="0"/>
-              <a:t>計畫</a:t>
-            </a:r>
-            <a:endParaRPr lang="zh-TW" dirty="0"/>
-          </a:p>
-        </p:txBody>
-      </p:sp>
-      <p:sp>
-        <p:nvSpPr>
-          <p:cNvPr id="14" name="內容版面配置區 13"/>
-          <p:cNvSpPr>
-            <a:spLocks noGrp="1"/>
-          </p:cNvSpPr>
-          <p:nvPr>
-            <p:ph idx="1"/>
-          </p:nvPr>
-        </p:nvSpPr>
-        <p:spPr/>
-        <p:txBody>
-          <a:bodyPr/>
-          <a:lstStyle/>
-          <a:p>
-            <a:r>
-              <a:rPr lang="zh-TW" altLang="en-US" dirty="0" smtClean="0"/>
-              <a:t>完整忠實呈現</a:t>
-            </a:r>
-            <a:r>
-              <a:rPr lang="en-US" altLang="zh-TW" dirty="0" smtClean="0"/>
-              <a:t>1985</a:t>
-            </a:r>
-            <a:r>
-              <a:rPr lang="zh-TW" altLang="en-US" dirty="0" smtClean="0"/>
-              <a:t>年的感動</a:t>
-            </a:r>
-            <a:endParaRPr lang="en-US" altLang="zh-TW" dirty="0" smtClean="0"/>
-          </a:p>
-          <a:p>
-            <a:endParaRPr lang="zh-TW" dirty="0"/>
-          </a:p>
-        </p:txBody>
-      </p:sp>
-      <p:pic>
-        <p:nvPicPr>
-          <p:cNvPr id="2" name="圖片 1"/>
-          <p:cNvPicPr>
-            <a:picLocks noChangeAspect="1"/>
-          </p:cNvPicPr>
-          <p:nvPr/>
-        </p:nvPicPr>
-        <p:blipFill>
-          <a:blip r:embed="rId2">
-            <a:extLst>
-              <a:ext uri="{28A0092B-C50C-407E-A947-70E740481C1C}">
-                <a14:useLocalDpi xmlns:a14="http://schemas.microsoft.com/office/drawing/2010/main" val="0"/>
-              </a:ext>
-            </a:extLst>
-          </a:blip>
-          <a:stretch>
-            <a:fillRect/>
-          </a:stretch>
-        </p:blipFill>
-        <p:spPr>
-          <a:xfrm>
-            <a:off x="5321089" y="982980"/>
-            <a:ext cx="5024694" cy="4710651"/>
-          </a:xfrm>
-          <a:prstGeom prst="rect">
-            <a:avLst/>
-          </a:prstGeom>
-        </p:spPr>
-      </p:pic>
-    </p:spTree>
-    <p:extLst>
-      <p:ext uri="{BB962C8B-B14F-4D97-AF65-F5344CB8AC3E}">
-        <p14:creationId xmlns:p14="http://schemas.microsoft.com/office/powerpoint/2010/main" val="2771859900"/>
-      </p:ext>
-    </p:extLst>
-  </p:cSld>
-  <p:clrMapOvr>
-    <a:masterClrMapping/>
-  </p:clrMapOvr>
-  <mc:AlternateContent xmlns:mc="http://schemas.openxmlformats.org/markup-compatibility/2006" xmlns:p14="http://schemas.microsoft.com/office/powerpoint/2010/main">
-    <mc:Choice Requires="p14">
-      <p:transition spd="med" p14:dur="700">
-        <p:fade/>
-      </p:transition>
-    </mc:Choice>
-    <mc:Fallback xmlns="">
-      <p:transition spd="med">
-        <p:fade/>
-      </p:transition>
-    </mc:Fallback>
-  </mc:AlternateContent>
-  <p:timing>
-    <p:tnLst>
-      <p:par>
-        <p:cTn id="1" dur="indefinite" restart="never" nodeType="tmRoot"/>
-      </p:par>
-    </p:tnLst>
-  </p:timing>
-</p:sld>
-</file>
-
-<file path=ppt/slides/slide3.xml><?xml version="1.0" encoding="utf-8"?>
-<p:sld xmlns:a="http://schemas.openxmlformats.org/drawingml/2006/main" xmlns:r="http://schemas.openxmlformats.org/officeDocument/2006/relationships" xmlns:p="http://schemas.openxmlformats.org/presentationml/2006/main">
-  <p:cSld>
-    <p:spTree>
-      <p:nvGrpSpPr>
-        <p:cNvPr id="1" name=""/>
-        <p:cNvGrpSpPr/>
-        <p:nvPr/>
-      </p:nvGrpSpPr>
-      <p:grpSpPr>
-        <a:xfrm>
-          <a:off x="0" y="0"/>
-          <a:ext cx="0" cy="0"/>
-          <a:chOff x="0" y="0"/>
-          <a:chExt cx="0" cy="0"/>
-        </a:xfrm>
-      </p:grpSpPr>
-      <p:sp>
-        <p:nvSpPr>
           <p:cNvPr id="2" name="標題 1"/>
           <p:cNvSpPr>
             <a:spLocks noGrp="1"/>
@@ -6735,7 +6598,7 @@
 </p:sld>
 </file>
 
-<file path=ppt/slides/slide4.xml><?xml version="1.0" encoding="utf-8"?>
+<file path=ppt/slides/slide3.xml><?xml version="1.0" encoding="utf-8"?>
 <p:sld xmlns:a="http://schemas.openxmlformats.org/drawingml/2006/main" xmlns:r="http://schemas.openxmlformats.org/officeDocument/2006/relationships" xmlns:p="http://schemas.openxmlformats.org/presentationml/2006/main">
   <p:cSld>
     <p:spTree>
@@ -6934,7 +6797,7 @@
 </p:sld>
 </file>
 
-<file path=ppt/slides/slide5.xml><?xml version="1.0" encoding="utf-8"?>
+<file path=ppt/slides/slide4.xml><?xml version="1.0" encoding="utf-8"?>
 <p:sld xmlns:a="http://schemas.openxmlformats.org/drawingml/2006/main" xmlns:r="http://schemas.openxmlformats.org/officeDocument/2006/relationships" xmlns:p="http://schemas.openxmlformats.org/presentationml/2006/main">
   <p:cSld>
     <p:spTree>
@@ -7109,7 +6972,7 @@
 </p:sld>
 </file>
 
-<file path=ppt/slides/slide6.xml><?xml version="1.0" encoding="utf-8"?>
+<file path=ppt/slides/slide5.xml><?xml version="1.0" encoding="utf-8"?>
 <p:sld xmlns:a="http://schemas.openxmlformats.org/drawingml/2006/main" xmlns:r="http://schemas.openxmlformats.org/officeDocument/2006/relationships" xmlns:p="http://schemas.openxmlformats.org/presentationml/2006/main">
   <p:cSld>
     <p:spTree>

--- a/Proposal.pptx
+++ b/Proposal.pptx
@@ -6677,39 +6677,13 @@
             <a:endParaRPr lang="en-US" altLang="zh-TW" dirty="0"/>
           </a:p>
           <a:p>
-            <a:pPr lvl="1"/>
-            <a:r>
-              <a:rPr lang="en-US" altLang="zh-TW" dirty="0" smtClean="0"/>
-              <a:t>1</a:t>
-            </a:r>
             <a:r>
               <a:rPr lang="zh-TW" altLang="en-US" dirty="0" smtClean="0"/>
-              <a:t>人對抗</a:t>
-            </a:r>
-            <a:r>
-              <a:rPr lang="en-US" altLang="zh-TW" dirty="0" smtClean="0"/>
-              <a:t>AI</a:t>
-            </a:r>
-          </a:p>
-          <a:p>
-            <a:pPr lvl="1"/>
-            <a:r>
-              <a:rPr lang="en-US" altLang="zh-TW" dirty="0" smtClean="0"/>
-              <a:t>2</a:t>
+              <a:t>勝利</a:t>
             </a:r>
             <a:r>
               <a:rPr lang="zh-TW" altLang="en-US" dirty="0" smtClean="0"/>
-              <a:t>人對抗</a:t>
-            </a:r>
-            <a:r>
-              <a:rPr lang="en-US" altLang="zh-TW" dirty="0" smtClean="0"/>
-              <a:t>AI</a:t>
-            </a:r>
-          </a:p>
-          <a:p>
-            <a:r>
-              <a:rPr lang="zh-TW" altLang="en-US" dirty="0" smtClean="0"/>
-              <a:t>道具</a:t>
+              <a:t>條件</a:t>
             </a:r>
             <a:r>
               <a:rPr lang="en-US" altLang="zh-TW" dirty="0" smtClean="0"/>
@@ -6717,44 +6691,18 @@
             </a:r>
             <a:r>
               <a:rPr lang="zh-TW" altLang="en-US" dirty="0" smtClean="0"/>
-              <a:t> 戰車、星星、炸彈、時鐘、鋼盔、鏟子、手槍</a:t>
+              <a:t> 全滅敵人</a:t>
             </a:r>
             <a:endParaRPr lang="en-US" altLang="zh-TW" dirty="0" smtClean="0"/>
           </a:p>
           <a:p>
             <a:r>
               <a:rPr lang="zh-TW" altLang="en-US" dirty="0" smtClean="0"/>
-              <a:t>勝利條件</a:t>
-            </a:r>
-            <a:r>
-              <a:rPr lang="en-US" altLang="zh-TW" dirty="0" smtClean="0"/>
-              <a:t>:</a:t>
+              <a:t>地圖</a:t>
             </a:r>
             <a:r>
               <a:rPr lang="zh-TW" altLang="en-US" dirty="0" smtClean="0"/>
-              <a:t> 全滅敵人</a:t>
-            </a:r>
-            <a:endParaRPr lang="en-US" altLang="zh-TW" dirty="0" smtClean="0"/>
-          </a:p>
-          <a:p>
-            <a:r>
-              <a:rPr lang="zh-TW" altLang="en-US" dirty="0" smtClean="0"/>
-              <a:t>戰車型態</a:t>
-            </a:r>
-            <a:r>
-              <a:rPr lang="en-US" altLang="zh-TW" dirty="0" smtClean="0"/>
-              <a:t>:</a:t>
-            </a:r>
-            <a:r>
-              <a:rPr lang="zh-TW" altLang="en-US" dirty="0" smtClean="0"/>
-              <a:t>  輕甲、裝甲、中型、重甲、快砲車</a:t>
-            </a:r>
-            <a:endParaRPr lang="en-US" altLang="zh-TW" dirty="0" smtClean="0"/>
-          </a:p>
-          <a:p>
-            <a:r>
-              <a:rPr lang="zh-TW" altLang="en-US" dirty="0" smtClean="0"/>
-              <a:t>地圖編輯模式</a:t>
+              <a:t>編輯模式</a:t>
             </a:r>
             <a:r>
               <a:rPr lang="en-US" altLang="zh-TW" dirty="0" smtClean="0"/>
